--- a/Présentation Projet 3 - Ohmyfood.pptx
+++ b/Présentation Projet 3 - Ohmyfood.pptx
@@ -4316,7 +4316,7 @@
               <a:buNone/>
             </a:pPr>
             <a:r>
-              <a:rPr lang="en-US" sz="1200" dirty="0">
+              <a:rPr lang="en-US" sz="1200" b="1" dirty="0">
                 <a:solidFill>
                   <a:srgbClr val="C946B9"/>
                 </a:solidFill>
@@ -4326,6 +4326,16 @@
               <a:t>Mission</a:t>
             </a:r>
             <a:r>
+              <a:rPr lang="en-US" sz="1200" b="1" dirty="0">
+                <a:solidFill>
+                  <a:srgbClr val="000000"/>
+                </a:solidFill>
+                <a:latin typeface="Avenir Book" panose="02000503020000020003" pitchFamily="2" charset="0"/>
+                <a:cs typeface="Apple Chancery" panose="03020702040506060504" pitchFamily="66" charset="-79"/>
+              </a:rPr>
+              <a:t> : </a:t>
+            </a:r>
+            <a:r>
               <a:rPr lang="en-US" sz="1200" dirty="0">
                 <a:solidFill>
                   <a:srgbClr val="000000"/>
@@ -4333,7 +4343,7 @@
                 <a:latin typeface="Avenir Book" panose="02000503020000020003" pitchFamily="2" charset="0"/>
                 <a:cs typeface="Apple Chancery" panose="03020702040506060504" pitchFamily="66" charset="-79"/>
               </a:rPr>
-              <a:t> : Intégrer et dynamiser un site Web culinaire (et ses 4 pages de menu) avec des animations CSS.</a:t>
+              <a:t>Intégrer et dynamiser un site Web culinaire (et ses 4 pages de menu) avec des animations CSS.</a:t>
             </a:r>
           </a:p>
           <a:p>
@@ -4341,7 +4351,7 @@
               <a:buNone/>
             </a:pPr>
             <a:r>
-              <a:rPr lang="en-US" sz="1200" dirty="0">
+              <a:rPr lang="en-US" sz="1200" b="1" dirty="0">
                 <a:solidFill>
                   <a:srgbClr val="C946B9"/>
                 </a:solidFill>
@@ -4351,7 +4361,7 @@
               <a:t>Rappel des contraintes </a:t>
             </a:r>
             <a:r>
-              <a:rPr lang="en-US" sz="1200" dirty="0">
+              <a:rPr lang="en-US" sz="1200" b="1" dirty="0">
                 <a:solidFill>
                   <a:srgbClr val="000000"/>
                 </a:solidFill>
@@ -4440,8 +4450,20 @@
               <a:t>Footer identique sur toutes les pages et </a:t>
             </a:r>
             <a:r>
-              <a:rPr lang="fr-FR" sz="1200" dirty="0"/>
-              <a:t>Au clic sur “Contact”, un renvoi vers une adresse mail est effectué</a:t>
+              <a:rPr lang="fr-FR" sz="1200" dirty="0">
+                <a:solidFill>
+                  <a:srgbClr val="000000"/>
+                </a:solidFill>
+                <a:latin typeface="Avenir Book" panose="02000503020000020003" pitchFamily="2" charset="0"/>
+                <a:cs typeface="Apple Chancery" panose="03020702040506060504" pitchFamily="66" charset="-79"/>
+              </a:rPr>
+              <a:t>a</a:t>
+            </a:r>
+            <a:r>
+              <a:rPr lang="fr-FR" sz="1200" dirty="0">
+                <a:latin typeface="Avenir Book" panose="02000503020000020003" pitchFamily="2" charset="0"/>
+              </a:rPr>
+              <a:t>u clic sur “Contact”, un renvoi vers une adresse mail est effectué</a:t>
             </a:r>
             <a:endParaRPr lang="en-US" sz="1200" dirty="0">
               <a:solidFill>
@@ -4493,14 +4515,18 @@
                 <a:latin typeface="Avenir Book" panose="02000503020000020003" pitchFamily="2" charset="0"/>
                 <a:cs typeface="Apple Chancery" panose="03020702040506060504" pitchFamily="66" charset="-79"/>
               </a:rPr>
-              <a:t>Au survol, la couleur de fond des boutons principaux devient plus Claire et l’ombre portée devient plus visible</a:t>
-            </a:r>
-          </a:p>
-          <a:p>
-            <a:pPr>
-              <a:buFontTx/>
-              <a:buChar char="-"/>
-            </a:pPr>
+              <a:t>Au survol, la couleur de fond des boutons principaux devient plus </a:t>
+            </a:r>
+            <a:r>
+              <a:rPr lang="en-US" sz="1200" dirty="0" err="1">
+                <a:solidFill>
+                  <a:srgbClr val="000000"/>
+                </a:solidFill>
+                <a:latin typeface="Avenir Book" panose="02000503020000020003" pitchFamily="2" charset="0"/>
+                <a:cs typeface="Apple Chancery" panose="03020702040506060504" pitchFamily="66" charset="-79"/>
+              </a:rPr>
+              <a:t>claire</a:t>
+            </a:r>
             <a:r>
               <a:rPr lang="en-US" sz="1200" dirty="0">
                 <a:solidFill>
@@ -4509,7 +4535,23 @@
                 <a:latin typeface="Avenir Book" panose="02000503020000020003" pitchFamily="2" charset="0"/>
                 <a:cs typeface="Apple Chancery" panose="03020702040506060504" pitchFamily="66" charset="-79"/>
               </a:rPr>
-              <a:t>A survol, les boutons “J’aime” en forme de coeur se remplissent progressivement</a:t>
+              <a:t> et l’ombre portée devient plus visible</a:t>
+            </a:r>
+          </a:p>
+          <a:p>
+            <a:pPr>
+              <a:buFontTx/>
+              <a:buChar char="-"/>
+            </a:pPr>
+            <a:r>
+              <a:rPr lang="en-US" sz="1200" dirty="0">
+                <a:solidFill>
+                  <a:srgbClr val="000000"/>
+                </a:solidFill>
+                <a:latin typeface="Avenir Book" panose="02000503020000020003" pitchFamily="2" charset="0"/>
+                <a:cs typeface="Apple Chancery" panose="03020702040506060504" pitchFamily="66" charset="-79"/>
+              </a:rPr>
+              <a:t>Au survol, les boutons “J’aime” en forme de coeur se remplissent progressivement</a:t>
             </a:r>
           </a:p>
           <a:p>
@@ -4565,7 +4607,7 @@
               <a:buNone/>
             </a:pPr>
             <a:r>
-              <a:rPr lang="en-US" sz="1200" dirty="0">
+              <a:rPr lang="en-US" sz="1200" b="1" dirty="0">
                 <a:solidFill>
                   <a:srgbClr val="C946B9"/>
                 </a:solidFill>
@@ -4575,7 +4617,7 @@
               <a:t>Technique </a:t>
             </a:r>
             <a:r>
-              <a:rPr lang="en-US" sz="1200" dirty="0">
+              <a:rPr lang="en-US" sz="1200" b="1" dirty="0">
                 <a:solidFill>
                   <a:srgbClr val="000000"/>
                 </a:solidFill>
